--- a/doc/Nasui_Alexandru_Andrei_Prezentare_Licenta.pptx
+++ b/doc/Nasui_Alexandru_Andrei_Prezentare_Licenta.pptx
@@ -1,9 +1,12 @@
 
 <file path=ppt/presentation.xml><?xml version="1.0" encoding="utf-8"?>
-<p:presentation xmlns:a="http://schemas.openxmlformats.org/drawingml/2006/main" xmlns:r="http://schemas.openxmlformats.org/officeDocument/2006/relationships" xmlns:p="http://schemas.openxmlformats.org/presentationml/2006/main" saveSubsetFonts="1">
+<p:presentation xmlns:a="http://schemas.openxmlformats.org/drawingml/2006/main" xmlns:r="http://schemas.openxmlformats.org/officeDocument/2006/relationships" xmlns:p="http://schemas.openxmlformats.org/presentationml/2006/main" showSpecialPlsOnTitleSld="0" saveSubsetFonts="1">
   <p:sldMasterIdLst>
     <p:sldMasterId id="2147483732" r:id="rId1"/>
   </p:sldMasterIdLst>
+  <p:notesMasterIdLst>
+    <p:notesMasterId r:id="rId15"/>
+  </p:notesMasterIdLst>
   <p:sldIdLst>
     <p:sldId id="256" r:id="rId2"/>
     <p:sldId id="259" r:id="rId3"/>
@@ -18,7 +21,6 @@
     <p:sldId id="279" r:id="rId12"/>
     <p:sldId id="280" r:id="rId13"/>
     <p:sldId id="281" r:id="rId14"/>
-    <p:sldId id="257" r:id="rId15"/>
   </p:sldIdLst>
   <p:sldSz cx="12192000" cy="6858000"/>
   <p:notesSz cx="6858000" cy="9144000"/>
@@ -149,11 +151,6 @@
             <p14:sldId id="281"/>
           </p14:sldIdLst>
         </p14:section>
-        <p14:section name="Instructiuni" id="{AE7B04E6-0DD9-4EB7-8F84-672E3FA7EE37}">
-          <p14:sldIdLst>
-            <p14:sldId id="257"/>
-          </p14:sldIdLst>
-        </p14:section>
       </p14:sectionLst>
     </p:ext>
     <p:ext uri="{EFAFB233-063F-42B5-8137-9DF3F51BA10A}">
@@ -164,6 +161,11 @@
           </p15:clr>
         </p15:guide>
         <p15:guide id="2" pos="3940" userDrawn="1">
+          <p15:clr>
+            <a:srgbClr val="A4A3A4"/>
+          </p15:clr>
+        </p15:guide>
+        <p15:guide id="3" orient="horz" pos="2160">
           <p15:clr>
             <a:srgbClr val="A4A3A4"/>
           </p15:clr>
@@ -2947,7 +2949,7 @@
   <dgm:whole/>
   <dgm:extLst>
     <a:ext uri="http://schemas.microsoft.com/office/drawing/2008/diagram">
-      <dsp:dataModelExt xmlns:dsp="http://schemas.microsoft.com/office/drawing/2008/diagram" relId="rId6" minVer="http://schemas.openxmlformats.org/drawingml/2006/diagram"/>
+      <dsp:dataModelExt xmlns:dsp="http://schemas.microsoft.com/office/drawing/2008/diagram" relId="rId7" minVer="http://schemas.openxmlformats.org/drawingml/2006/diagram"/>
     </a:ext>
   </dgm:extLst>
 </dgm:dataModel>
@@ -7166,6 +7168,440 @@
 </dgm:styleDef>
 </file>
 
+<file path=ppt/notesMasters/notesMaster1.xml><?xml version="1.0" encoding="utf-8"?>
+<p:notesMaster xmlns:a="http://schemas.openxmlformats.org/drawingml/2006/main" xmlns:r="http://schemas.openxmlformats.org/officeDocument/2006/relationships" xmlns:p="http://schemas.openxmlformats.org/presentationml/2006/main">
+  <p:cSld>
+    <p:bg>
+      <p:bgRef idx="1001">
+        <a:schemeClr val="bg1"/>
+      </p:bgRef>
+    </p:bg>
+    <p:spTree>
+      <p:nvGrpSpPr>
+        <p:cNvPr id="1" name=""/>
+        <p:cNvGrpSpPr/>
+        <p:nvPr/>
+      </p:nvGrpSpPr>
+      <p:grpSpPr>
+        <a:xfrm>
+          <a:off x="0" y="0"/>
+          <a:ext cx="0" cy="0"/>
+          <a:chOff x="0" y="0"/>
+          <a:chExt cx="0" cy="0"/>
+        </a:xfrm>
+      </p:grpSpPr>
+      <p:sp>
+        <p:nvSpPr>
+          <p:cNvPr id="2" name="Header Placeholder 1"/>
+          <p:cNvSpPr>
+            <a:spLocks noGrp="1"/>
+          </p:cNvSpPr>
+          <p:nvPr>
+            <p:ph type="hdr" sz="quarter"/>
+          </p:nvPr>
+        </p:nvSpPr>
+        <p:spPr>
+          <a:xfrm>
+            <a:off x="0" y="0"/>
+            <a:ext cx="2971800" cy="458788"/>
+          </a:xfrm>
+          <a:prstGeom prst="rect">
+            <a:avLst/>
+          </a:prstGeom>
+        </p:spPr>
+        <p:txBody>
+          <a:bodyPr vert="horz" lIns="91440" tIns="45720" rIns="91440" bIns="45720" rtlCol="0"/>
+          <a:lstStyle>
+            <a:lvl1pPr algn="l">
+              <a:defRPr sz="1200"/>
+            </a:lvl1pPr>
+          </a:lstStyle>
+          <a:p>
+            <a:endParaRPr lang="en-150"/>
+          </a:p>
+        </p:txBody>
+      </p:sp>
+      <p:sp>
+        <p:nvSpPr>
+          <p:cNvPr id="3" name="Date Placeholder 2"/>
+          <p:cNvSpPr>
+            <a:spLocks noGrp="1"/>
+          </p:cNvSpPr>
+          <p:nvPr>
+            <p:ph type="dt" idx="1"/>
+          </p:nvPr>
+        </p:nvSpPr>
+        <p:spPr>
+          <a:xfrm>
+            <a:off x="3884613" y="0"/>
+            <a:ext cx="2971800" cy="458788"/>
+          </a:xfrm>
+          <a:prstGeom prst="rect">
+            <a:avLst/>
+          </a:prstGeom>
+        </p:spPr>
+        <p:txBody>
+          <a:bodyPr vert="horz" lIns="91440" tIns="45720" rIns="91440" bIns="45720" rtlCol="0"/>
+          <a:lstStyle>
+            <a:lvl1pPr algn="r">
+              <a:defRPr sz="1200"/>
+            </a:lvl1pPr>
+          </a:lstStyle>
+          <a:p>
+            <a:fld id="{89E0974A-36D2-4432-891C-B15CBD5CE4BD}" type="datetimeFigureOut">
+              <a:rPr lang="en-150" smtClean="0"/>
+              <a:t>28/06/2020</a:t>
+            </a:fld>
+            <a:endParaRPr lang="en-150"/>
+          </a:p>
+        </p:txBody>
+      </p:sp>
+      <p:sp>
+        <p:nvSpPr>
+          <p:cNvPr id="4" name="Slide Image Placeholder 3"/>
+          <p:cNvSpPr>
+            <a:spLocks noGrp="1" noRot="1" noChangeAspect="1"/>
+          </p:cNvSpPr>
+          <p:nvPr>
+            <p:ph type="sldImg" idx="2"/>
+          </p:nvPr>
+        </p:nvSpPr>
+        <p:spPr>
+          <a:xfrm>
+            <a:off x="685800" y="1143000"/>
+            <a:ext cx="5486400" cy="3086100"/>
+          </a:xfrm>
+          <a:prstGeom prst="rect">
+            <a:avLst/>
+          </a:prstGeom>
+          <a:noFill/>
+          <a:ln w="12700">
+            <a:solidFill>
+              <a:prstClr val="black"/>
+            </a:solidFill>
+          </a:ln>
+        </p:spPr>
+        <p:txBody>
+          <a:bodyPr vert="horz" lIns="91440" tIns="45720" rIns="91440" bIns="45720" rtlCol="0" anchor="ctr"/>
+          <a:lstStyle/>
+          <a:p>
+            <a:endParaRPr lang="en-150"/>
+          </a:p>
+        </p:txBody>
+      </p:sp>
+      <p:sp>
+        <p:nvSpPr>
+          <p:cNvPr id="5" name="Notes Placeholder 4"/>
+          <p:cNvSpPr>
+            <a:spLocks noGrp="1"/>
+          </p:cNvSpPr>
+          <p:nvPr>
+            <p:ph type="body" sz="quarter" idx="3"/>
+          </p:nvPr>
+        </p:nvSpPr>
+        <p:spPr>
+          <a:xfrm>
+            <a:off x="685800" y="4400550"/>
+            <a:ext cx="5486400" cy="3600450"/>
+          </a:xfrm>
+          <a:prstGeom prst="rect">
+            <a:avLst/>
+          </a:prstGeom>
+        </p:spPr>
+        <p:txBody>
+          <a:bodyPr vert="horz" lIns="91440" tIns="45720" rIns="91440" bIns="45720" rtlCol="0"/>
+          <a:lstStyle/>
+          <a:p>
+            <a:pPr lvl="0"/>
+            <a:r>
+              <a:rPr lang="en-US"/>
+              <a:t>Click to edit Master text styles</a:t>
+            </a:r>
+          </a:p>
+          <a:p>
+            <a:pPr lvl="1"/>
+            <a:r>
+              <a:rPr lang="en-US"/>
+              <a:t>Second level</a:t>
+            </a:r>
+          </a:p>
+          <a:p>
+            <a:pPr lvl="2"/>
+            <a:r>
+              <a:rPr lang="en-US"/>
+              <a:t>Third level</a:t>
+            </a:r>
+          </a:p>
+          <a:p>
+            <a:pPr lvl="3"/>
+            <a:r>
+              <a:rPr lang="en-US"/>
+              <a:t>Fourth level</a:t>
+            </a:r>
+          </a:p>
+          <a:p>
+            <a:pPr lvl="4"/>
+            <a:r>
+              <a:rPr lang="en-US"/>
+              <a:t>Fifth level</a:t>
+            </a:r>
+            <a:endParaRPr lang="en-150"/>
+          </a:p>
+        </p:txBody>
+      </p:sp>
+      <p:sp>
+        <p:nvSpPr>
+          <p:cNvPr id="6" name="Footer Placeholder 5"/>
+          <p:cNvSpPr>
+            <a:spLocks noGrp="1"/>
+          </p:cNvSpPr>
+          <p:nvPr>
+            <p:ph type="ftr" sz="quarter" idx="4"/>
+          </p:nvPr>
+        </p:nvSpPr>
+        <p:spPr>
+          <a:xfrm>
+            <a:off x="0" y="8685213"/>
+            <a:ext cx="2971800" cy="458787"/>
+          </a:xfrm>
+          <a:prstGeom prst="rect">
+            <a:avLst/>
+          </a:prstGeom>
+        </p:spPr>
+        <p:txBody>
+          <a:bodyPr vert="horz" lIns="91440" tIns="45720" rIns="91440" bIns="45720" rtlCol="0" anchor="b"/>
+          <a:lstStyle>
+            <a:lvl1pPr algn="l">
+              <a:defRPr sz="1200"/>
+            </a:lvl1pPr>
+          </a:lstStyle>
+          <a:p>
+            <a:endParaRPr lang="en-150"/>
+          </a:p>
+        </p:txBody>
+      </p:sp>
+      <p:sp>
+        <p:nvSpPr>
+          <p:cNvPr id="7" name="Slide Number Placeholder 6"/>
+          <p:cNvSpPr>
+            <a:spLocks noGrp="1"/>
+          </p:cNvSpPr>
+          <p:nvPr>
+            <p:ph type="sldNum" sz="quarter" idx="5"/>
+          </p:nvPr>
+        </p:nvSpPr>
+        <p:spPr>
+          <a:xfrm>
+            <a:off x="3884613" y="8685213"/>
+            <a:ext cx="2971800" cy="458787"/>
+          </a:xfrm>
+          <a:prstGeom prst="rect">
+            <a:avLst/>
+          </a:prstGeom>
+        </p:spPr>
+        <p:txBody>
+          <a:bodyPr vert="horz" lIns="91440" tIns="45720" rIns="91440" bIns="45720" rtlCol="0" anchor="b"/>
+          <a:lstStyle>
+            <a:lvl1pPr algn="r">
+              <a:defRPr sz="1200"/>
+            </a:lvl1pPr>
+          </a:lstStyle>
+          <a:p>
+            <a:fld id="{F2BF6304-3BEC-460C-8D33-701BA1EAB7DC}" type="slidenum">
+              <a:rPr lang="en-150" smtClean="0"/>
+              <a:t>‹#›</a:t>
+            </a:fld>
+            <a:endParaRPr lang="en-150"/>
+          </a:p>
+        </p:txBody>
+      </p:sp>
+    </p:spTree>
+    <p:extLst>
+      <p:ext uri="{BB962C8B-B14F-4D97-AF65-F5344CB8AC3E}">
+        <p14:creationId xmlns:p14="http://schemas.microsoft.com/office/powerpoint/2010/main" val="931573077"/>
+      </p:ext>
+    </p:extLst>
+  </p:cSld>
+  <p:clrMap bg1="lt1" tx1="dk1" bg2="lt2" tx2="dk2" accent1="accent1" accent2="accent2" accent3="accent3" accent4="accent4" accent5="accent5" accent6="accent6" hlink="hlink" folHlink="folHlink"/>
+  <p:notesStyle>
+    <a:lvl1pPr marL="0" algn="l" defTabSz="914400" rtl="0" eaLnBrk="1" latinLnBrk="0" hangingPunct="1">
+      <a:defRPr sz="1200" kern="1200">
+        <a:solidFill>
+          <a:schemeClr val="tx1"/>
+        </a:solidFill>
+        <a:latin typeface="+mn-lt"/>
+        <a:ea typeface="+mn-ea"/>
+        <a:cs typeface="+mn-cs"/>
+      </a:defRPr>
+    </a:lvl1pPr>
+    <a:lvl2pPr marL="457200" algn="l" defTabSz="914400" rtl="0" eaLnBrk="1" latinLnBrk="0" hangingPunct="1">
+      <a:defRPr sz="1200" kern="1200">
+        <a:solidFill>
+          <a:schemeClr val="tx1"/>
+        </a:solidFill>
+        <a:latin typeface="+mn-lt"/>
+        <a:ea typeface="+mn-ea"/>
+        <a:cs typeface="+mn-cs"/>
+      </a:defRPr>
+    </a:lvl2pPr>
+    <a:lvl3pPr marL="914400" algn="l" defTabSz="914400" rtl="0" eaLnBrk="1" latinLnBrk="0" hangingPunct="1">
+      <a:defRPr sz="1200" kern="1200">
+        <a:solidFill>
+          <a:schemeClr val="tx1"/>
+        </a:solidFill>
+        <a:latin typeface="+mn-lt"/>
+        <a:ea typeface="+mn-ea"/>
+        <a:cs typeface="+mn-cs"/>
+      </a:defRPr>
+    </a:lvl3pPr>
+    <a:lvl4pPr marL="1371600" algn="l" defTabSz="914400" rtl="0" eaLnBrk="1" latinLnBrk="0" hangingPunct="1">
+      <a:defRPr sz="1200" kern="1200">
+        <a:solidFill>
+          <a:schemeClr val="tx1"/>
+        </a:solidFill>
+        <a:latin typeface="+mn-lt"/>
+        <a:ea typeface="+mn-ea"/>
+        <a:cs typeface="+mn-cs"/>
+      </a:defRPr>
+    </a:lvl4pPr>
+    <a:lvl5pPr marL="1828800" algn="l" defTabSz="914400" rtl="0" eaLnBrk="1" latinLnBrk="0" hangingPunct="1">
+      <a:defRPr sz="1200" kern="1200">
+        <a:solidFill>
+          <a:schemeClr val="tx1"/>
+        </a:solidFill>
+        <a:latin typeface="+mn-lt"/>
+        <a:ea typeface="+mn-ea"/>
+        <a:cs typeface="+mn-cs"/>
+      </a:defRPr>
+    </a:lvl5pPr>
+    <a:lvl6pPr marL="2286000" algn="l" defTabSz="914400" rtl="0" eaLnBrk="1" latinLnBrk="0" hangingPunct="1">
+      <a:defRPr sz="1200" kern="1200">
+        <a:solidFill>
+          <a:schemeClr val="tx1"/>
+        </a:solidFill>
+        <a:latin typeface="+mn-lt"/>
+        <a:ea typeface="+mn-ea"/>
+        <a:cs typeface="+mn-cs"/>
+      </a:defRPr>
+    </a:lvl6pPr>
+    <a:lvl7pPr marL="2743200" algn="l" defTabSz="914400" rtl="0" eaLnBrk="1" latinLnBrk="0" hangingPunct="1">
+      <a:defRPr sz="1200" kern="1200">
+        <a:solidFill>
+          <a:schemeClr val="tx1"/>
+        </a:solidFill>
+        <a:latin typeface="+mn-lt"/>
+        <a:ea typeface="+mn-ea"/>
+        <a:cs typeface="+mn-cs"/>
+      </a:defRPr>
+    </a:lvl7pPr>
+    <a:lvl8pPr marL="3200400" algn="l" defTabSz="914400" rtl="0" eaLnBrk="1" latinLnBrk="0" hangingPunct="1">
+      <a:defRPr sz="1200" kern="1200">
+        <a:solidFill>
+          <a:schemeClr val="tx1"/>
+        </a:solidFill>
+        <a:latin typeface="+mn-lt"/>
+        <a:ea typeface="+mn-ea"/>
+        <a:cs typeface="+mn-cs"/>
+      </a:defRPr>
+    </a:lvl8pPr>
+    <a:lvl9pPr marL="3657600" algn="l" defTabSz="914400" rtl="0" eaLnBrk="1" latinLnBrk="0" hangingPunct="1">
+      <a:defRPr sz="1200" kern="1200">
+        <a:solidFill>
+          <a:schemeClr val="tx1"/>
+        </a:solidFill>
+        <a:latin typeface="+mn-lt"/>
+        <a:ea typeface="+mn-ea"/>
+        <a:cs typeface="+mn-cs"/>
+      </a:defRPr>
+    </a:lvl9pPr>
+  </p:notesStyle>
+</p:notesMaster>
+</file>
+
+<file path=ppt/notesSlides/notesSlide1.xml><?xml version="1.0" encoding="utf-8"?>
+<p:notes xmlns:a="http://schemas.openxmlformats.org/drawingml/2006/main" xmlns:r="http://schemas.openxmlformats.org/officeDocument/2006/relationships" xmlns:p="http://schemas.openxmlformats.org/presentationml/2006/main">
+  <p:cSld>
+    <p:spTree>
+      <p:nvGrpSpPr>
+        <p:cNvPr id="1" name=""/>
+        <p:cNvGrpSpPr/>
+        <p:nvPr/>
+      </p:nvGrpSpPr>
+      <p:grpSpPr>
+        <a:xfrm>
+          <a:off x="0" y="0"/>
+          <a:ext cx="0" cy="0"/>
+          <a:chOff x="0" y="0"/>
+          <a:chExt cx="0" cy="0"/>
+        </a:xfrm>
+      </p:grpSpPr>
+      <p:sp>
+        <p:nvSpPr>
+          <p:cNvPr id="2" name="Slide Image Placeholder 1"/>
+          <p:cNvSpPr>
+            <a:spLocks noGrp="1" noRot="1" noChangeAspect="1"/>
+          </p:cNvSpPr>
+          <p:nvPr>
+            <p:ph type="sldImg"/>
+          </p:nvPr>
+        </p:nvSpPr>
+        <p:spPr/>
+      </p:sp>
+      <p:sp>
+        <p:nvSpPr>
+          <p:cNvPr id="3" name="Notes Placeholder 2"/>
+          <p:cNvSpPr>
+            <a:spLocks noGrp="1"/>
+          </p:cNvSpPr>
+          <p:nvPr>
+            <p:ph type="body" idx="1"/>
+          </p:nvPr>
+        </p:nvSpPr>
+        <p:spPr/>
+        <p:txBody>
+          <a:bodyPr/>
+          <a:lstStyle/>
+          <a:p>
+            <a:endParaRPr lang="en-150"/>
+          </a:p>
+        </p:txBody>
+      </p:sp>
+      <p:sp>
+        <p:nvSpPr>
+          <p:cNvPr id="4" name="Slide Number Placeholder 3"/>
+          <p:cNvSpPr>
+            <a:spLocks noGrp="1"/>
+          </p:cNvSpPr>
+          <p:nvPr>
+            <p:ph type="sldNum" sz="quarter" idx="5"/>
+          </p:nvPr>
+        </p:nvSpPr>
+        <p:spPr/>
+        <p:txBody>
+          <a:bodyPr/>
+          <a:lstStyle/>
+          <a:p>
+            <a:fld id="{F2BF6304-3BEC-460C-8D33-701BA1EAB7DC}" type="slidenum">
+              <a:rPr lang="en-150" smtClean="0"/>
+              <a:t>2</a:t>
+            </a:fld>
+            <a:endParaRPr lang="en-150"/>
+          </a:p>
+        </p:txBody>
+      </p:sp>
+    </p:spTree>
+    <p:extLst>
+      <p:ext uri="{BB962C8B-B14F-4D97-AF65-F5344CB8AC3E}">
+        <p14:creationId xmlns:p14="http://schemas.microsoft.com/office/powerpoint/2010/main" val="1960850095"/>
+      </p:ext>
+    </p:extLst>
+  </p:cSld>
+  <p:clrMapOvr>
+    <a:masterClrMapping/>
+  </p:clrMapOvr>
+</p:notes>
+</file>
+
 <file path=ppt/slideLayouts/slideLayout1.xml><?xml version="1.0" encoding="utf-8"?>
 <p:sldLayout xmlns:a="http://schemas.openxmlformats.org/drawingml/2006/main" xmlns:r="http://schemas.openxmlformats.org/officeDocument/2006/relationships" xmlns:p="http://schemas.openxmlformats.org/presentationml/2006/main" type="title" preserve="1">
   <p:cSld name="Title Slide">
@@ -7295,9 +7731,9 @@
           <a:bodyPr/>
           <a:lstStyle/>
           <a:p>
-            <a:fld id="{45135529-B81B-4A8C-A325-F05DA8A8B5F0}" type="datetimeFigureOut">
+            <a:fld id="{23DB8A73-9368-4CB4-AA03-CCCC06C9B3C6}" type="datetime8">
               <a:rPr lang="en-150" smtClean="0"/>
-              <a:t>23/06/2020</a:t>
+              <a:t>28/06/2020 16:48</a:t>
             </a:fld>
             <a:endParaRPr lang="en-150"/>
           </a:p>
@@ -7465,9 +7901,9 @@
           <a:bodyPr/>
           <a:lstStyle/>
           <a:p>
-            <a:fld id="{45135529-B81B-4A8C-A325-F05DA8A8B5F0}" type="datetimeFigureOut">
+            <a:fld id="{E43043AC-1078-4995-9B16-DB01C5AAFF75}" type="datetime8">
               <a:rPr lang="en-150" smtClean="0"/>
-              <a:t>23/06/2020</a:t>
+              <a:t>28/06/2020 16:48</a:t>
             </a:fld>
             <a:endParaRPr lang="en-150"/>
           </a:p>
@@ -7645,9 +8081,9 @@
           <a:bodyPr/>
           <a:lstStyle/>
           <a:p>
-            <a:fld id="{45135529-B81B-4A8C-A325-F05DA8A8B5F0}" type="datetimeFigureOut">
+            <a:fld id="{B0E2EDF2-ACF5-48B2-8AAC-2A4E6403EE7D}" type="datetime8">
               <a:rPr lang="en-150" smtClean="0"/>
-              <a:t>23/06/2020</a:t>
+              <a:t>28/06/2020 16:48</a:t>
             </a:fld>
             <a:endParaRPr lang="en-150"/>
           </a:p>
@@ -7815,9 +8251,9 @@
           <a:bodyPr/>
           <a:lstStyle/>
           <a:p>
-            <a:fld id="{45135529-B81B-4A8C-A325-F05DA8A8B5F0}" type="datetimeFigureOut">
+            <a:fld id="{67350AF6-A50E-401A-896E-58125909A5FA}" type="datetime8">
               <a:rPr lang="en-150" smtClean="0"/>
-              <a:t>23/06/2020</a:t>
+              <a:t>28/06/2020 16:48</a:t>
             </a:fld>
             <a:endParaRPr lang="en-150"/>
           </a:p>
@@ -8061,9 +8497,9 @@
           <a:bodyPr/>
           <a:lstStyle/>
           <a:p>
-            <a:fld id="{45135529-B81B-4A8C-A325-F05DA8A8B5F0}" type="datetimeFigureOut">
+            <a:fld id="{EAEB9BEC-F3AD-4DD9-9C0C-DAE0A11F8FB6}" type="datetime8">
               <a:rPr lang="en-150" smtClean="0"/>
-              <a:t>23/06/2020</a:t>
+              <a:t>28/06/2020 16:48</a:t>
             </a:fld>
             <a:endParaRPr lang="en-150"/>
           </a:p>
@@ -8293,9 +8729,9 @@
           <a:bodyPr/>
           <a:lstStyle/>
           <a:p>
-            <a:fld id="{45135529-B81B-4A8C-A325-F05DA8A8B5F0}" type="datetimeFigureOut">
+            <a:fld id="{C94A4285-EB2B-4A61-9B24-F61C3769C09B}" type="datetime8">
               <a:rPr lang="en-150" smtClean="0"/>
-              <a:t>23/06/2020</a:t>
+              <a:t>28/06/2020 16:48</a:t>
             </a:fld>
             <a:endParaRPr lang="en-150"/>
           </a:p>
@@ -8660,9 +9096,9 @@
           <a:bodyPr/>
           <a:lstStyle/>
           <a:p>
-            <a:fld id="{45135529-B81B-4A8C-A325-F05DA8A8B5F0}" type="datetimeFigureOut">
+            <a:fld id="{F14F8CDF-9F53-41D7-8AB0-59F8D8A38E15}" type="datetime8">
               <a:rPr lang="en-150" smtClean="0"/>
-              <a:t>23/06/2020</a:t>
+              <a:t>28/06/2020 16:48</a:t>
             </a:fld>
             <a:endParaRPr lang="en-150"/>
           </a:p>
@@ -8778,9 +9214,9 @@
           <a:bodyPr/>
           <a:lstStyle/>
           <a:p>
-            <a:fld id="{45135529-B81B-4A8C-A325-F05DA8A8B5F0}" type="datetimeFigureOut">
+            <a:fld id="{F3F27977-A507-4CBE-B839-3D93850EC82A}" type="datetime8">
               <a:rPr lang="en-150" smtClean="0"/>
-              <a:t>23/06/2020</a:t>
+              <a:t>28/06/2020 16:48</a:t>
             </a:fld>
             <a:endParaRPr lang="en-150"/>
           </a:p>
@@ -8873,9 +9309,9 @@
           <a:bodyPr/>
           <a:lstStyle/>
           <a:p>
-            <a:fld id="{45135529-B81B-4A8C-A325-F05DA8A8B5F0}" type="datetimeFigureOut">
+            <a:fld id="{E61B679A-67C1-4FBF-9FA5-E7BC1AA7FFCE}" type="datetime8">
               <a:rPr lang="en-150" smtClean="0"/>
-              <a:t>23/06/2020</a:t>
+              <a:t>28/06/2020 16:48</a:t>
             </a:fld>
             <a:endParaRPr lang="en-150"/>
           </a:p>
@@ -9150,9 +9586,9 @@
           <a:bodyPr/>
           <a:lstStyle/>
           <a:p>
-            <a:fld id="{45135529-B81B-4A8C-A325-F05DA8A8B5F0}" type="datetimeFigureOut">
+            <a:fld id="{2BCE1FD2-0D8D-4843-B094-87AD0EE65D4C}" type="datetime8">
               <a:rPr lang="en-150" smtClean="0"/>
-              <a:t>23/06/2020</a:t>
+              <a:t>28/06/2020 16:48</a:t>
             </a:fld>
             <a:endParaRPr lang="en-150"/>
           </a:p>
@@ -9407,9 +9843,9 @@
           <a:bodyPr/>
           <a:lstStyle/>
           <a:p>
-            <a:fld id="{45135529-B81B-4A8C-A325-F05DA8A8B5F0}" type="datetimeFigureOut">
+            <a:fld id="{D957240F-C870-4DB6-AB1A-0EFE3AEF8EF3}" type="datetime8">
               <a:rPr lang="en-150" smtClean="0"/>
-              <a:t>23/06/2020</a:t>
+              <a:t>28/06/2020 16:48</a:t>
             </a:fld>
             <a:endParaRPr lang="en-150"/>
           </a:p>
@@ -9628,9 +10064,9 @@
             </a:lvl1pPr>
           </a:lstStyle>
           <a:p>
-            <a:fld id="{45135529-B81B-4A8C-A325-F05DA8A8B5F0}" type="datetimeFigureOut">
+            <a:fld id="{9B2B194B-D6E3-4044-8BBC-C3B28FF110CE}" type="datetime8">
               <a:rPr lang="en-150" smtClean="0"/>
-              <a:t>23/06/2020</a:t>
+              <a:t>28/06/2020 16:48</a:t>
             </a:fld>
             <a:endParaRPr lang="en-150"/>
           </a:p>
@@ -9735,6 +10171,7 @@
     <p:sldLayoutId id="2147483742" r:id="rId10"/>
     <p:sldLayoutId id="2147483743" r:id="rId11"/>
   </p:sldLayoutIdLst>
+  <p:hf hdr="0" ftr="0" dt="0"/>
   <p:txStyles>
     <p:titleStyle>
       <a:lvl1pPr algn="l" defTabSz="914400" rtl="0" eaLnBrk="1" latinLnBrk="0" hangingPunct="1">
@@ -10689,7 +11126,7 @@
         </p:spPr>
         <p:txBody>
           <a:bodyPr vert="horz" lIns="91440" tIns="45720" rIns="91440" bIns="45720" rtlCol="0">
-            <a:normAutofit fontScale="85000" lnSpcReduction="10000"/>
+            <a:normAutofit fontScale="77500" lnSpcReduction="20000"/>
           </a:bodyPr>
           <a:lstStyle>
             <a:lvl1pPr marL="0" indent="0" algn="ctr" defTabSz="914400" rtl="0" eaLnBrk="1" latinLnBrk="0" hangingPunct="1">
@@ -10866,6 +11303,28 @@
                 <a:ea typeface="CMU Serif" panose="02000603000000000000" pitchFamily="2" charset="0"/>
                 <a:cs typeface="CMU Serif" panose="02000603000000000000" pitchFamily="2" charset="0"/>
               </a:rPr>
+              <a:t>Alexandru-Andrei</a:t>
+            </a:r>
+            <a:r>
+              <a:rPr lang="ro-RO" b="1">
+                <a:solidFill>
+                  <a:schemeClr val="bg1"/>
+                </a:solidFill>
+                <a:latin typeface="CMU Serif" panose="02000603000000000000" pitchFamily="2" charset="0"/>
+                <a:ea typeface="CMU Serif" panose="02000603000000000000" pitchFamily="2" charset="0"/>
+                <a:cs typeface="CMU Serif" panose="02000603000000000000" pitchFamily="2" charset="0"/>
+              </a:rPr>
+              <a:t> </a:t>
+            </a:r>
+            <a:r>
+              <a:rPr lang="en-US" b="1">
+                <a:solidFill>
+                  <a:schemeClr val="bg1"/>
+                </a:solidFill>
+                <a:latin typeface="CMU Serif" panose="02000603000000000000" pitchFamily="2" charset="0"/>
+                <a:ea typeface="CMU Serif" panose="02000603000000000000" pitchFamily="2" charset="0"/>
+                <a:cs typeface="CMU Serif" panose="02000603000000000000" pitchFamily="2" charset="0"/>
+              </a:rPr>
               <a:t>N</a:t>
             </a:r>
             <a:r>
@@ -10877,18 +11336,7 @@
                 <a:ea typeface="CMU Serif" panose="02000603000000000000" pitchFamily="2" charset="0"/>
                 <a:cs typeface="CMU Serif" panose="02000603000000000000" pitchFamily="2" charset="0"/>
               </a:rPr>
-              <a:t>ă</a:t>
-            </a:r>
-            <a:r>
-              <a:rPr lang="en-US" b="1">
-                <a:solidFill>
-                  <a:schemeClr val="bg1"/>
-                </a:solidFill>
-                <a:latin typeface="CMU Serif" panose="02000603000000000000" pitchFamily="2" charset="0"/>
-                <a:ea typeface="CMU Serif" panose="02000603000000000000" pitchFamily="2" charset="0"/>
-                <a:cs typeface="CMU Serif" panose="02000603000000000000" pitchFamily="2" charset="0"/>
-              </a:rPr>
-              <a:t>sui Alexandru-Andrei</a:t>
+              <a:t>ĂSUI </a:t>
             </a:r>
             <a:endParaRPr lang="ro-RO">
               <a:solidFill>
@@ -11590,8 +12038,8 @@
           </a:p>
         </p:txBody>
       </p:sp>
-      <mc:AlternateContent xmlns:mc="http://schemas.openxmlformats.org/markup-compatibility/2006">
-        <mc:Choice xmlns:a14="http://schemas.microsoft.com/office/drawing/2010/main" Requires="a14">
+      <mc:AlternateContent xmlns:mc="http://schemas.openxmlformats.org/markup-compatibility/2006" xmlns:a14="http://schemas.microsoft.com/office/drawing/2010/main">
+        <mc:Choice Requires="a14">
           <p:sp>
             <p:nvSpPr>
               <p:cNvPr id="41" name="TextBox 40">
@@ -11686,7 +12134,7 @@
                   <m:oMath xmlns:m="http://schemas.openxmlformats.org/officeDocument/2006/math">
                     <m:r>
                       <a:rPr lang="ro-RO" sz="2000" b="0" i="1" smtClean="0">
-                        <a:latin typeface="+mj-lt"/>
+                        <a:latin typeface="Cambria Math" panose="02040503050406030204" pitchFamily="18" charset="0"/>
                       </a:rPr>
                       <m:t>7∗</m:t>
                     </m:r>
@@ -11694,14 +12142,14 @@
                       <m:sSupPr>
                         <m:ctrlPr>
                           <a:rPr lang="ro-RO" sz="2000" b="0" i="1" smtClean="0">
-                            <a:latin typeface="+mj-lt"/>
+                            <a:latin typeface="Cambria Math" panose="02040503050406030204" pitchFamily="18" charset="0"/>
                           </a:rPr>
                         </m:ctrlPr>
                       </m:sSupPr>
                       <m:e>
                         <m:r>
                           <a:rPr lang="ro-RO" sz="2000" b="0" i="1" smtClean="0">
-                            <a:latin typeface="+mj-lt"/>
+                            <a:latin typeface="Cambria Math" panose="02040503050406030204" pitchFamily="18" charset="0"/>
                           </a:rPr>
                           <m:t>10</m:t>
                         </m:r>
@@ -11709,7 +12157,7 @@
                       <m:sup>
                         <m:r>
                           <a:rPr lang="ro-RO" sz="2000" b="0" i="1" smtClean="0">
-                            <a:latin typeface="+mj-lt"/>
+                            <a:latin typeface="Cambria Math" panose="02040503050406030204" pitchFamily="18" charset="0"/>
                           </a:rPr>
                           <m:t>−4</m:t>
                         </m:r>
@@ -11760,7 +12208,7 @@
             </p:txBody>
           </p:sp>
         </mc:Choice>
-        <mc:Fallback>
+        <mc:Fallback xmlns="">
           <p:sp>
             <p:nvSpPr>
               <p:cNvPr id="41" name="TextBox 40">
@@ -11805,6 +12253,39 @@
           </p:sp>
         </mc:Fallback>
       </mc:AlternateContent>
+      <p:sp>
+        <p:nvSpPr>
+          <p:cNvPr id="3" name="Slide Number Placeholder 2">
+            <a:extLst>
+              <a:ext uri="{FF2B5EF4-FFF2-40B4-BE49-F238E27FC236}">
+                <a16:creationId xmlns:a16="http://schemas.microsoft.com/office/drawing/2014/main" id="{F8D4E1E5-5DFC-4927-8C4E-128285D3219A}"/>
+              </a:ext>
+            </a:extLst>
+          </p:cNvPr>
+          <p:cNvSpPr>
+            <a:spLocks noGrp="1"/>
+          </p:cNvSpPr>
+          <p:nvPr>
+            <p:ph type="sldNum" sz="quarter" idx="12"/>
+          </p:nvPr>
+        </p:nvSpPr>
+        <p:spPr/>
+        <p:txBody>
+          <a:bodyPr/>
+          <a:lstStyle/>
+          <a:p>
+            <a:fld id="{99E05632-ED13-43E1-AB13-0007BC9FDA66}" type="slidenum">
+              <a:rPr lang="en-150" smtClean="0"/>
+              <a:t>10</a:t>
+            </a:fld>
+            <a:r>
+              <a:rPr lang="ro-RO"/>
+              <a:t>/13</a:t>
+            </a:r>
+            <a:endParaRPr lang="en-150"/>
+          </a:p>
+        </p:txBody>
+      </p:sp>
     </p:spTree>
     <p:extLst>
       <p:ext uri="{BB962C8B-B14F-4D97-AF65-F5344CB8AC3E}">
@@ -12162,6 +12643,39 @@
             <a:r>
               <a:rPr lang="ro-RO"/>
               <a:t>Valoarea medie a funcției de cost: 0.27</a:t>
+            </a:r>
+            <a:endParaRPr lang="en-150"/>
+          </a:p>
+        </p:txBody>
+      </p:sp>
+      <p:sp>
+        <p:nvSpPr>
+          <p:cNvPr id="3" name="Slide Number Placeholder 2">
+            <a:extLst>
+              <a:ext uri="{FF2B5EF4-FFF2-40B4-BE49-F238E27FC236}">
+                <a16:creationId xmlns:a16="http://schemas.microsoft.com/office/drawing/2014/main" id="{397FF5A1-F1ED-495D-B5E8-9696811FDEF6}"/>
+              </a:ext>
+            </a:extLst>
+          </p:cNvPr>
+          <p:cNvSpPr>
+            <a:spLocks noGrp="1"/>
+          </p:cNvSpPr>
+          <p:nvPr>
+            <p:ph type="sldNum" sz="quarter" idx="12"/>
+          </p:nvPr>
+        </p:nvSpPr>
+        <p:spPr/>
+        <p:txBody>
+          <a:bodyPr/>
+          <a:lstStyle/>
+          <a:p>
+            <a:fld id="{99E05632-ED13-43E1-AB13-0007BC9FDA66}" type="slidenum">
+              <a:rPr lang="en-150" smtClean="0"/>
+              <a:t>11</a:t>
+            </a:fld>
+            <a:r>
+              <a:rPr lang="ro-RO"/>
+              <a:t>/13</a:t>
             </a:r>
             <a:endParaRPr lang="en-150"/>
           </a:p>
@@ -12544,6 +13058,39 @@
           </a:p>
         </p:txBody>
       </p:sp>
+      <p:sp>
+        <p:nvSpPr>
+          <p:cNvPr id="4" name="Slide Number Placeholder 3">
+            <a:extLst>
+              <a:ext uri="{FF2B5EF4-FFF2-40B4-BE49-F238E27FC236}">
+                <a16:creationId xmlns:a16="http://schemas.microsoft.com/office/drawing/2014/main" id="{2BE4D818-E1B4-435E-B92F-78762BEC3D99}"/>
+              </a:ext>
+            </a:extLst>
+          </p:cNvPr>
+          <p:cNvSpPr>
+            <a:spLocks noGrp="1"/>
+          </p:cNvSpPr>
+          <p:nvPr>
+            <p:ph type="sldNum" sz="quarter" idx="12"/>
+          </p:nvPr>
+        </p:nvSpPr>
+        <p:spPr/>
+        <p:txBody>
+          <a:bodyPr/>
+          <a:lstStyle/>
+          <a:p>
+            <a:fld id="{99E05632-ED13-43E1-AB13-0007BC9FDA66}" type="slidenum">
+              <a:rPr lang="en-150" smtClean="0"/>
+              <a:t>12</a:t>
+            </a:fld>
+            <a:r>
+              <a:rPr lang="ro-RO"/>
+              <a:t>/13</a:t>
+            </a:r>
+            <a:endParaRPr lang="en-150"/>
+          </a:p>
+        </p:txBody>
+      </p:sp>
     </p:spTree>
     <p:extLst>
       <p:ext uri="{BB962C8B-B14F-4D97-AF65-F5344CB8AC3E}">
@@ -12836,7 +13383,7 @@
             </a:pPr>
             <a:r>
               <a:rPr lang="ro-RO" sz="1600"/>
-              <a:t>Diferențierea claselor în timpul înregistrării semnalelor EEG</a:t>
+              <a:t>O mai bună diferențiere a claselor în timpul înregistrării semnalelor EEG</a:t>
             </a:r>
           </a:p>
           <a:p>
@@ -12870,74 +13417,34 @@
           </a:p>
         </p:txBody>
       </p:sp>
-    </p:spTree>
-    <p:extLst>
-      <p:ext uri="{BB962C8B-B14F-4D97-AF65-F5344CB8AC3E}">
-        <p14:creationId xmlns:p14="http://schemas.microsoft.com/office/powerpoint/2010/main" val="2024686842"/>
-      </p:ext>
-    </p:extLst>
-  </p:cSld>
-  <p:clrMapOvr>
-    <a:masterClrMapping/>
-  </p:clrMapOvr>
-</p:sld>
-</file>
-
-<file path=ppt/slides/slide14.xml><?xml version="1.0" encoding="utf-8"?>
-<p:sld xmlns:a="http://schemas.openxmlformats.org/drawingml/2006/main" xmlns:r="http://schemas.openxmlformats.org/officeDocument/2006/relationships" xmlns:p="http://schemas.openxmlformats.org/presentationml/2006/main">
-  <p:cSld>
-    <p:bg>
-      <p:bgPr>
-        <a:solidFill>
-          <a:schemeClr val="bg1"/>
-        </a:solidFill>
-        <a:effectLst/>
-      </p:bgPr>
-    </p:bg>
-    <p:spTree>
-      <p:nvGrpSpPr>
-        <p:cNvPr id="1" name=""/>
-        <p:cNvGrpSpPr/>
-        <p:nvPr/>
-      </p:nvGrpSpPr>
-      <p:grpSpPr>
-        <a:xfrm>
-          <a:off x="0" y="0"/>
-          <a:ext cx="0" cy="0"/>
-          <a:chOff x="0" y="0"/>
-          <a:chExt cx="0" cy="0"/>
-        </a:xfrm>
-      </p:grpSpPr>
       <p:sp>
         <p:nvSpPr>
-          <p:cNvPr id="2" name="Rectangle 1">
+          <p:cNvPr id="4" name="Slide Number Placeholder 3">
             <a:extLst>
               <a:ext uri="{FF2B5EF4-FFF2-40B4-BE49-F238E27FC236}">
-                <a16:creationId xmlns:a16="http://schemas.microsoft.com/office/drawing/2014/main" id="{F841E6F8-F20B-4C70-936C-63E5DD809247}"/>
+                <a16:creationId xmlns:a16="http://schemas.microsoft.com/office/drawing/2014/main" id="{D1278683-D07E-419D-AF96-7587B112B889}"/>
               </a:ext>
             </a:extLst>
           </p:cNvPr>
-          <p:cNvSpPr/>
-          <p:nvPr/>
+          <p:cNvSpPr>
+            <a:spLocks noGrp="1"/>
+          </p:cNvSpPr>
+          <p:nvPr>
+            <p:ph type="sldNum" sz="quarter" idx="12"/>
+          </p:nvPr>
         </p:nvSpPr>
-        <p:spPr>
-          <a:xfrm>
-            <a:off x="1114697" y="801189"/>
-            <a:ext cx="10554789" cy="1477328"/>
-          </a:xfrm>
-          <a:prstGeom prst="rect">
-            <a:avLst/>
-          </a:prstGeom>
-        </p:spPr>
+        <p:spPr/>
         <p:txBody>
-          <a:bodyPr wrap="square">
-            <a:spAutoFit/>
-          </a:bodyPr>
+          <a:bodyPr/>
           <a:lstStyle/>
           <a:p>
+            <a:fld id="{99E05632-ED13-43E1-AB13-0007BC9FDA66}" type="slidenum">
+              <a:rPr lang="en-150" smtClean="0"/>
+              <a:t>13</a:t>
+            </a:fld>
             <a:r>
-              <a:rPr lang="en-US"/>
-              <a:t>in continuare te gandesti cam ce ai putea prezenta 3-5min la partea practica (programul, setul de date, comenzi antrenare, rezultate, imagini intermediare pe parcursul antrenarii) si 7 min (10-15 slideuri) la prezentare. nu prezinti generalitati despre retele , prezinti reteau construita de tine si la aceasta explici si teorie pe unde trebuie (1 slide titlu, 1 slide tema obiective, 1 slide structura lucrarii,7-10 slideuri continut (cred ca poti sa urmezi structura din capitolul 3 cu etape si rezultate) 1 slide concluzii</a:t>
+              <a:rPr lang="ro-RO"/>
+              <a:t>/13</a:t>
             </a:r>
             <a:endParaRPr lang="en-150"/>
           </a:p>
@@ -12946,7 +13453,7 @@
     </p:spTree>
     <p:extLst>
       <p:ext uri="{BB962C8B-B14F-4D97-AF65-F5344CB8AC3E}">
-        <p14:creationId xmlns:p14="http://schemas.microsoft.com/office/powerpoint/2010/main" val="3798532218"/>
+        <p14:creationId xmlns:p14="http://schemas.microsoft.com/office/powerpoint/2010/main" val="2024686842"/>
       </p:ext>
     </p:extLst>
   </p:cSld>
@@ -13044,10 +13551,43 @@
         </p:xfrm>
         <a:graphic>
           <a:graphicData uri="http://schemas.openxmlformats.org/drawingml/2006/diagram">
-            <dgm:relIds xmlns:dgm="http://schemas.openxmlformats.org/drawingml/2006/diagram" xmlns:r="http://schemas.openxmlformats.org/officeDocument/2006/relationships" r:dm="rId2" r:lo="rId3" r:qs="rId4" r:cs="rId5"/>
+            <dgm:relIds xmlns:dgm="http://schemas.openxmlformats.org/drawingml/2006/diagram" xmlns:r="http://schemas.openxmlformats.org/officeDocument/2006/relationships" r:dm="rId3" r:lo="rId4" r:qs="rId5" r:cs="rId6"/>
           </a:graphicData>
         </a:graphic>
       </p:graphicFrame>
+      <p:sp>
+        <p:nvSpPr>
+          <p:cNvPr id="3" name="Slide Number Placeholder 2">
+            <a:extLst>
+              <a:ext uri="{FF2B5EF4-FFF2-40B4-BE49-F238E27FC236}">
+                <a16:creationId xmlns:a16="http://schemas.microsoft.com/office/drawing/2014/main" id="{548C71C0-71CE-450B-A2B4-8948FD83531A}"/>
+              </a:ext>
+            </a:extLst>
+          </p:cNvPr>
+          <p:cNvSpPr>
+            <a:spLocks noGrp="1"/>
+          </p:cNvSpPr>
+          <p:nvPr>
+            <p:ph type="sldNum" sz="quarter" idx="12"/>
+          </p:nvPr>
+        </p:nvSpPr>
+        <p:spPr/>
+        <p:txBody>
+          <a:bodyPr/>
+          <a:lstStyle/>
+          <a:p>
+            <a:fld id="{99E05632-ED13-43E1-AB13-0007BC9FDA66}" type="slidenum">
+              <a:rPr lang="en-150" smtClean="0"/>
+              <a:t>2</a:t>
+            </a:fld>
+            <a:r>
+              <a:rPr lang="ro-RO"/>
+              <a:t>/13</a:t>
+            </a:r>
+            <a:endParaRPr lang="en-150"/>
+          </a:p>
+        </p:txBody>
+      </p:sp>
     </p:spTree>
     <p:extLst>
       <p:ext uri="{BB962C8B-B14F-4D97-AF65-F5344CB8AC3E}">
@@ -15198,6 +15738,39 @@
           </a:graphicData>
         </a:graphic>
       </p:graphicFrame>
+      <p:sp>
+        <p:nvSpPr>
+          <p:cNvPr id="3" name="Slide Number Placeholder 2">
+            <a:extLst>
+              <a:ext uri="{FF2B5EF4-FFF2-40B4-BE49-F238E27FC236}">
+                <a16:creationId xmlns:a16="http://schemas.microsoft.com/office/drawing/2014/main" id="{C4CBDF42-D12D-457E-AF78-A2FF24B2D5EC}"/>
+              </a:ext>
+            </a:extLst>
+          </p:cNvPr>
+          <p:cNvSpPr>
+            <a:spLocks noGrp="1"/>
+          </p:cNvSpPr>
+          <p:nvPr>
+            <p:ph type="sldNum" sz="quarter" idx="12"/>
+          </p:nvPr>
+        </p:nvSpPr>
+        <p:spPr/>
+        <p:txBody>
+          <a:bodyPr/>
+          <a:lstStyle/>
+          <a:p>
+            <a:fld id="{99E05632-ED13-43E1-AB13-0007BC9FDA66}" type="slidenum">
+              <a:rPr lang="en-150" smtClean="0"/>
+              <a:t>3</a:t>
+            </a:fld>
+            <a:r>
+              <a:rPr lang="ro-RO"/>
+              <a:t>/13</a:t>
+            </a:r>
+            <a:endParaRPr lang="en-150"/>
+          </a:p>
+        </p:txBody>
+      </p:sp>
     </p:spTree>
     <p:extLst>
       <p:ext uri="{BB962C8B-B14F-4D97-AF65-F5344CB8AC3E}">
@@ -15837,6 +16410,39 @@
           </a:p>
         </p:txBody>
       </p:sp>
+      <p:sp>
+        <p:nvSpPr>
+          <p:cNvPr id="3" name="Slide Number Placeholder 2">
+            <a:extLst>
+              <a:ext uri="{FF2B5EF4-FFF2-40B4-BE49-F238E27FC236}">
+                <a16:creationId xmlns:a16="http://schemas.microsoft.com/office/drawing/2014/main" id="{431B9876-3CEC-4BF7-84C2-56E0CAA63824}"/>
+              </a:ext>
+            </a:extLst>
+          </p:cNvPr>
+          <p:cNvSpPr>
+            <a:spLocks noGrp="1"/>
+          </p:cNvSpPr>
+          <p:nvPr>
+            <p:ph type="sldNum" sz="quarter" idx="12"/>
+          </p:nvPr>
+        </p:nvSpPr>
+        <p:spPr/>
+        <p:txBody>
+          <a:bodyPr/>
+          <a:lstStyle/>
+          <a:p>
+            <a:fld id="{99E05632-ED13-43E1-AB13-0007BC9FDA66}" type="slidenum">
+              <a:rPr lang="en-150" smtClean="0"/>
+              <a:t>4</a:t>
+            </a:fld>
+            <a:r>
+              <a:rPr lang="ro-RO"/>
+              <a:t>/13</a:t>
+            </a:r>
+            <a:endParaRPr lang="en-150"/>
+          </a:p>
+        </p:txBody>
+      </p:sp>
     </p:spTree>
     <p:extLst>
       <p:ext uri="{BB962C8B-B14F-4D97-AF65-F5344CB8AC3E}">
@@ -16402,6 +17008,39 @@
           </a:graphicData>
         </a:graphic>
       </p:graphicFrame>
+      <p:sp>
+        <p:nvSpPr>
+          <p:cNvPr id="3" name="Slide Number Placeholder 2">
+            <a:extLst>
+              <a:ext uri="{FF2B5EF4-FFF2-40B4-BE49-F238E27FC236}">
+                <a16:creationId xmlns:a16="http://schemas.microsoft.com/office/drawing/2014/main" id="{5FE9D967-0863-4CB3-B3EF-76DCF02B2351}"/>
+              </a:ext>
+            </a:extLst>
+          </p:cNvPr>
+          <p:cNvSpPr>
+            <a:spLocks noGrp="1"/>
+          </p:cNvSpPr>
+          <p:nvPr>
+            <p:ph type="sldNum" sz="quarter" idx="12"/>
+          </p:nvPr>
+        </p:nvSpPr>
+        <p:spPr/>
+        <p:txBody>
+          <a:bodyPr/>
+          <a:lstStyle/>
+          <a:p>
+            <a:fld id="{99E05632-ED13-43E1-AB13-0007BC9FDA66}" type="slidenum">
+              <a:rPr lang="en-150" smtClean="0"/>
+              <a:t>5</a:t>
+            </a:fld>
+            <a:r>
+              <a:rPr lang="ro-RO"/>
+              <a:t>/13</a:t>
+            </a:r>
+            <a:endParaRPr lang="en-150"/>
+          </a:p>
+        </p:txBody>
+      </p:sp>
     </p:spTree>
     <p:extLst>
       <p:ext uri="{BB962C8B-B14F-4D97-AF65-F5344CB8AC3E}">
@@ -17055,6 +17694,39 @@
           </a:p>
         </p:txBody>
       </p:sp>
+      <p:sp>
+        <p:nvSpPr>
+          <p:cNvPr id="3" name="Slide Number Placeholder 2">
+            <a:extLst>
+              <a:ext uri="{FF2B5EF4-FFF2-40B4-BE49-F238E27FC236}">
+                <a16:creationId xmlns:a16="http://schemas.microsoft.com/office/drawing/2014/main" id="{C16CDC19-376D-4728-B35F-F8536F435CA8}"/>
+              </a:ext>
+            </a:extLst>
+          </p:cNvPr>
+          <p:cNvSpPr>
+            <a:spLocks noGrp="1"/>
+          </p:cNvSpPr>
+          <p:nvPr>
+            <p:ph type="sldNum" sz="quarter" idx="12"/>
+          </p:nvPr>
+        </p:nvSpPr>
+        <p:spPr/>
+        <p:txBody>
+          <a:bodyPr/>
+          <a:lstStyle/>
+          <a:p>
+            <a:fld id="{99E05632-ED13-43E1-AB13-0007BC9FDA66}" type="slidenum">
+              <a:rPr lang="en-150" smtClean="0"/>
+              <a:t>6</a:t>
+            </a:fld>
+            <a:r>
+              <a:rPr lang="ro-RO"/>
+              <a:t>/13</a:t>
+            </a:r>
+            <a:endParaRPr lang="en-150"/>
+          </a:p>
+        </p:txBody>
+      </p:sp>
     </p:spTree>
     <p:extLst>
       <p:ext uri="{BB962C8B-B14F-4D97-AF65-F5344CB8AC3E}">
@@ -17331,8 +18003,8 @@
         </p:blipFill>
         <p:spPr>
           <a:xfrm>
-            <a:off x="6693045" y="2794772"/>
-            <a:ext cx="4777017" cy="3582763"/>
+            <a:off x="6825415" y="3057756"/>
+            <a:ext cx="4183961" cy="3137971"/>
           </a:xfrm>
           <a:prstGeom prst="rect">
             <a:avLst/>
@@ -17355,7 +18027,7 @@
         </p:nvSpPr>
         <p:spPr>
           <a:xfrm>
-            <a:off x="7116694" y="6264318"/>
+            <a:off x="6825415" y="6088458"/>
             <a:ext cx="4353368" cy="309304"/>
           </a:xfrm>
           <a:prstGeom prst="rect">
@@ -17838,27 +18510,41 @@
                 <a:ea typeface="CMU Serif" panose="02000603000000000000" pitchFamily="2" charset="0"/>
                 <a:cs typeface="CMU Serif" panose="02000603000000000000" pitchFamily="2" charset="0"/>
               </a:rPr>
-              <a:t>Primele 10 cele mai Amplitudinile celor mai </a:t>
+              <a:t>Amplitudinile celor mai puternice 10 frecvențe din componența semnalului</a:t>
             </a:r>
           </a:p>
+        </p:txBody>
+      </p:sp>
+      <p:sp>
+        <p:nvSpPr>
+          <p:cNvPr id="3" name="Slide Number Placeholder 2">
+            <a:extLst>
+              <a:ext uri="{FF2B5EF4-FFF2-40B4-BE49-F238E27FC236}">
+                <a16:creationId xmlns:a16="http://schemas.microsoft.com/office/drawing/2014/main" id="{C6A0415F-A66C-46C8-A870-CFC243EB00CA}"/>
+              </a:ext>
+            </a:extLst>
+          </p:cNvPr>
+          <p:cNvSpPr>
+            <a:spLocks noGrp="1"/>
+          </p:cNvSpPr>
+          <p:nvPr>
+            <p:ph type="sldNum" sz="quarter" idx="12"/>
+          </p:nvPr>
+        </p:nvSpPr>
+        <p:spPr/>
+        <p:txBody>
+          <a:bodyPr/>
+          <a:lstStyle/>
           <a:p>
-            <a:pPr marL="400050" indent="-342900">
-              <a:lnSpc>
-                <a:spcPct val="100000"/>
-              </a:lnSpc>
-            </a:pPr>
-            <a:endParaRPr lang="ro-RO" sz="2000"/>
-          </a:p>
-          <a:p>
-            <a:pPr marL="57150" indent="0">
-              <a:lnSpc>
-                <a:spcPct val="100000"/>
-              </a:lnSpc>
-              <a:buNone/>
-            </a:pPr>
-            <a:endParaRPr lang="ro-RO" sz="2000">
-              <a:latin typeface="+mj-lt"/>
-            </a:endParaRPr>
+            <a:fld id="{99E05632-ED13-43E1-AB13-0007BC9FDA66}" type="slidenum">
+              <a:rPr lang="en-150" smtClean="0"/>
+              <a:t>7</a:t>
+            </a:fld>
+            <a:r>
+              <a:rPr lang="ro-RO"/>
+              <a:t>/13</a:t>
+            </a:r>
+            <a:endParaRPr lang="en-150"/>
           </a:p>
         </p:txBody>
       </p:sp>
@@ -18269,6 +18955,39 @@
           </a:prstGeom>
         </p:spPr>
       </p:pic>
+      <p:sp>
+        <p:nvSpPr>
+          <p:cNvPr id="3" name="Slide Number Placeholder 2">
+            <a:extLst>
+              <a:ext uri="{FF2B5EF4-FFF2-40B4-BE49-F238E27FC236}">
+                <a16:creationId xmlns:a16="http://schemas.microsoft.com/office/drawing/2014/main" id="{0F3DE180-A9CE-41DE-BDA9-D7CF673766D0}"/>
+              </a:ext>
+            </a:extLst>
+          </p:cNvPr>
+          <p:cNvSpPr>
+            <a:spLocks noGrp="1"/>
+          </p:cNvSpPr>
+          <p:nvPr>
+            <p:ph type="sldNum" sz="quarter" idx="12"/>
+          </p:nvPr>
+        </p:nvSpPr>
+        <p:spPr/>
+        <p:txBody>
+          <a:bodyPr/>
+          <a:lstStyle/>
+          <a:p>
+            <a:fld id="{99E05632-ED13-43E1-AB13-0007BC9FDA66}" type="slidenum">
+              <a:rPr lang="en-150" smtClean="0"/>
+              <a:t>8</a:t>
+            </a:fld>
+            <a:r>
+              <a:rPr lang="ro-RO"/>
+              <a:t>/13</a:t>
+            </a:r>
+            <a:endParaRPr lang="en-150"/>
+          </a:p>
+        </p:txBody>
+      </p:sp>
     </p:spTree>
     <p:extLst>
       <p:ext uri="{BB962C8B-B14F-4D97-AF65-F5344CB8AC3E}">
@@ -22564,6 +23283,39 @@
           </a:p>
         </p:txBody>
       </p:sp>
+      <p:sp>
+        <p:nvSpPr>
+          <p:cNvPr id="3" name="Slide Number Placeholder 2">
+            <a:extLst>
+              <a:ext uri="{FF2B5EF4-FFF2-40B4-BE49-F238E27FC236}">
+                <a16:creationId xmlns:a16="http://schemas.microsoft.com/office/drawing/2014/main" id="{C79169A4-A8C2-4F60-A8BE-F83F3326D4A6}"/>
+              </a:ext>
+            </a:extLst>
+          </p:cNvPr>
+          <p:cNvSpPr>
+            <a:spLocks noGrp="1"/>
+          </p:cNvSpPr>
+          <p:nvPr>
+            <p:ph type="sldNum" sz="quarter" idx="12"/>
+          </p:nvPr>
+        </p:nvSpPr>
+        <p:spPr/>
+        <p:txBody>
+          <a:bodyPr/>
+          <a:lstStyle/>
+          <a:p>
+            <a:fld id="{99E05632-ED13-43E1-AB13-0007BC9FDA66}" type="slidenum">
+              <a:rPr lang="en-150" smtClean="0"/>
+              <a:t>9</a:t>
+            </a:fld>
+            <a:r>
+              <a:rPr lang="ro-RO"/>
+              <a:t>/13</a:t>
+            </a:r>
+            <a:endParaRPr lang="en-150"/>
+          </a:p>
+        </p:txBody>
+      </p:sp>
     </p:spTree>
     <p:extLst>
       <p:ext uri="{BB962C8B-B14F-4D97-AF65-F5344CB8AC3E}">
@@ -22776,4 +23528,299 @@
     </a:ext>
   </a:extLst>
 </a:theme>
+</file>
+
+<file path=ppt/theme/theme2.xml><?xml version="1.0" encoding="utf-8"?>
+<a:theme xmlns:a="http://schemas.openxmlformats.org/drawingml/2006/main" name="Office Theme">
+  <a:themeElements>
+    <a:clrScheme name="Office">
+      <a:dk1>
+        <a:sysClr val="windowText" lastClr="000000"/>
+      </a:dk1>
+      <a:lt1>
+        <a:sysClr val="window" lastClr="FFFFFF"/>
+      </a:lt1>
+      <a:dk2>
+        <a:srgbClr val="44546A"/>
+      </a:dk2>
+      <a:lt2>
+        <a:srgbClr val="E7E6E6"/>
+      </a:lt2>
+      <a:accent1>
+        <a:srgbClr val="4472C4"/>
+      </a:accent1>
+      <a:accent2>
+        <a:srgbClr val="ED7D31"/>
+      </a:accent2>
+      <a:accent3>
+        <a:srgbClr val="A5A5A5"/>
+      </a:accent3>
+      <a:accent4>
+        <a:srgbClr val="FFC000"/>
+      </a:accent4>
+      <a:accent5>
+        <a:srgbClr val="5B9BD5"/>
+      </a:accent5>
+      <a:accent6>
+        <a:srgbClr val="70AD47"/>
+      </a:accent6>
+      <a:hlink>
+        <a:srgbClr val="0563C1"/>
+      </a:hlink>
+      <a:folHlink>
+        <a:srgbClr val="954F72"/>
+      </a:folHlink>
+    </a:clrScheme>
+    <a:fontScheme name="Office">
+      <a:majorFont>
+        <a:latin typeface="Calibri Light" panose="020F0302020204030204"/>
+        <a:ea typeface=""/>
+        <a:cs typeface=""/>
+        <a:font script="Jpan" typeface="游ゴシック Light"/>
+        <a:font script="Hang" typeface="맑은 고딕"/>
+        <a:font script="Hans" typeface="等线 Light"/>
+        <a:font script="Hant" typeface="新細明體"/>
+        <a:font script="Arab" typeface="Times New Roman"/>
+        <a:font script="Hebr" typeface="Times New Roman"/>
+        <a:font script="Thai" typeface="Angsana New"/>
+        <a:font script="Ethi" typeface="Nyala"/>
+        <a:font script="Beng" typeface="Vrinda"/>
+        <a:font script="Gujr" typeface="Shruti"/>
+        <a:font script="Khmr" typeface="MoolBoran"/>
+        <a:font script="Knda" typeface="Tunga"/>
+        <a:font script="Guru" typeface="Raavi"/>
+        <a:font script="Cans" typeface="Euphemia"/>
+        <a:font script="Cher" typeface="Plantagenet Cherokee"/>
+        <a:font script="Yiii" typeface="Microsoft Yi Baiti"/>
+        <a:font script="Tibt" typeface="Microsoft Himalaya"/>
+        <a:font script="Thaa" typeface="MV Boli"/>
+        <a:font script="Deva" typeface="Mangal"/>
+        <a:font script="Telu" typeface="Gautami"/>
+        <a:font script="Taml" typeface="Latha"/>
+        <a:font script="Syrc" typeface="Estrangelo Edessa"/>
+        <a:font script="Orya" typeface="Kalinga"/>
+        <a:font script="Mlym" typeface="Kartika"/>
+        <a:font script="Laoo" typeface="DokChampa"/>
+        <a:font script="Sinh" typeface="Iskoola Pota"/>
+        <a:font script="Mong" typeface="Mongolian Baiti"/>
+        <a:font script="Viet" typeface="Times New Roman"/>
+        <a:font script="Uigh" typeface="Microsoft Uighur"/>
+        <a:font script="Geor" typeface="Sylfaen"/>
+        <a:font script="Armn" typeface="Arial"/>
+        <a:font script="Bugi" typeface="Leelawadee UI"/>
+        <a:font script="Bopo" typeface="Microsoft JhengHei"/>
+        <a:font script="Java" typeface="Javanese Text"/>
+        <a:font script="Lisu" typeface="Segoe UI"/>
+        <a:font script="Mymr" typeface="Myanmar Text"/>
+        <a:font script="Nkoo" typeface="Ebrima"/>
+        <a:font script="Olck" typeface="Nirmala UI"/>
+        <a:font script="Osma" typeface="Ebrima"/>
+        <a:font script="Phag" typeface="Phagspa"/>
+        <a:font script="Syrn" typeface="Estrangelo Edessa"/>
+        <a:font script="Syrj" typeface="Estrangelo Edessa"/>
+        <a:font script="Syre" typeface="Estrangelo Edessa"/>
+        <a:font script="Sora" typeface="Nirmala UI"/>
+        <a:font script="Tale" typeface="Microsoft Tai Le"/>
+        <a:font script="Talu" typeface="Microsoft New Tai Lue"/>
+        <a:font script="Tfng" typeface="Ebrima"/>
+      </a:majorFont>
+      <a:minorFont>
+        <a:latin typeface="Calibri" panose="020F0502020204030204"/>
+        <a:ea typeface=""/>
+        <a:cs typeface=""/>
+        <a:font script="Jpan" typeface="游ゴシック"/>
+        <a:font script="Hang" typeface="맑은 고딕"/>
+        <a:font script="Hans" typeface="等线"/>
+        <a:font script="Hant" typeface="新細明體"/>
+        <a:font script="Arab" typeface="Arial"/>
+        <a:font script="Hebr" typeface="Arial"/>
+        <a:font script="Thai" typeface="Cordia New"/>
+        <a:font script="Ethi" typeface="Nyala"/>
+        <a:font script="Beng" typeface="Vrinda"/>
+        <a:font script="Gujr" typeface="Shruti"/>
+        <a:font script="Khmr" typeface="DaunPenh"/>
+        <a:font script="Knda" typeface="Tunga"/>
+        <a:font script="Guru" typeface="Raavi"/>
+        <a:font script="Cans" typeface="Euphemia"/>
+        <a:font script="Cher" typeface="Plantagenet Cherokee"/>
+        <a:font script="Yiii" typeface="Microsoft Yi Baiti"/>
+        <a:font script="Tibt" typeface="Microsoft Himalaya"/>
+        <a:font script="Thaa" typeface="MV Boli"/>
+        <a:font script="Deva" typeface="Mangal"/>
+        <a:font script="Telu" typeface="Gautami"/>
+        <a:font script="Taml" typeface="Latha"/>
+        <a:font script="Syrc" typeface="Estrangelo Edessa"/>
+        <a:font script="Orya" typeface="Kalinga"/>
+        <a:font script="Mlym" typeface="Kartika"/>
+        <a:font script="Laoo" typeface="DokChampa"/>
+        <a:font script="Sinh" typeface="Iskoola Pota"/>
+        <a:font script="Mong" typeface="Mongolian Baiti"/>
+        <a:font script="Viet" typeface="Arial"/>
+        <a:font script="Uigh" typeface="Microsoft Uighur"/>
+        <a:font script="Geor" typeface="Sylfaen"/>
+        <a:font script="Armn" typeface="Arial"/>
+        <a:font script="Bugi" typeface="Leelawadee UI"/>
+        <a:font script="Bopo" typeface="Microsoft JhengHei"/>
+        <a:font script="Java" typeface="Javanese Text"/>
+        <a:font script="Lisu" typeface="Segoe UI"/>
+        <a:font script="Mymr" typeface="Myanmar Text"/>
+        <a:font script="Nkoo" typeface="Ebrima"/>
+        <a:font script="Olck" typeface="Nirmala UI"/>
+        <a:font script="Osma" typeface="Ebrima"/>
+        <a:font script="Phag" typeface="Phagspa"/>
+        <a:font script="Syrn" typeface="Estrangelo Edessa"/>
+        <a:font script="Syrj" typeface="Estrangelo Edessa"/>
+        <a:font script="Syre" typeface="Estrangelo Edessa"/>
+        <a:font script="Sora" typeface="Nirmala UI"/>
+        <a:font script="Tale" typeface="Microsoft Tai Le"/>
+        <a:font script="Talu" typeface="Microsoft New Tai Lue"/>
+        <a:font script="Tfng" typeface="Ebrima"/>
+      </a:minorFont>
+    </a:fontScheme>
+    <a:fmtScheme name="Office">
+      <a:fillStyleLst>
+        <a:solidFill>
+          <a:schemeClr val="phClr"/>
+        </a:solidFill>
+        <a:gradFill rotWithShape="1">
+          <a:gsLst>
+            <a:gs pos="0">
+              <a:schemeClr val="phClr">
+                <a:lumMod val="110000"/>
+                <a:satMod val="105000"/>
+                <a:tint val="67000"/>
+              </a:schemeClr>
+            </a:gs>
+            <a:gs pos="50000">
+              <a:schemeClr val="phClr">
+                <a:lumMod val="105000"/>
+                <a:satMod val="103000"/>
+                <a:tint val="73000"/>
+              </a:schemeClr>
+            </a:gs>
+            <a:gs pos="100000">
+              <a:schemeClr val="phClr">
+                <a:lumMod val="105000"/>
+                <a:satMod val="109000"/>
+                <a:tint val="81000"/>
+              </a:schemeClr>
+            </a:gs>
+          </a:gsLst>
+          <a:lin ang="5400000" scaled="0"/>
+        </a:gradFill>
+        <a:gradFill rotWithShape="1">
+          <a:gsLst>
+            <a:gs pos="0">
+              <a:schemeClr val="phClr">
+                <a:satMod val="103000"/>
+                <a:lumMod val="102000"/>
+                <a:tint val="94000"/>
+              </a:schemeClr>
+            </a:gs>
+            <a:gs pos="50000">
+              <a:schemeClr val="phClr">
+                <a:satMod val="110000"/>
+                <a:lumMod val="100000"/>
+                <a:shade val="100000"/>
+              </a:schemeClr>
+            </a:gs>
+            <a:gs pos="100000">
+              <a:schemeClr val="phClr">
+                <a:lumMod val="99000"/>
+                <a:satMod val="120000"/>
+                <a:shade val="78000"/>
+              </a:schemeClr>
+            </a:gs>
+          </a:gsLst>
+          <a:lin ang="5400000" scaled="0"/>
+        </a:gradFill>
+      </a:fillStyleLst>
+      <a:lnStyleLst>
+        <a:ln w="6350" cap="flat" cmpd="sng" algn="ctr">
+          <a:solidFill>
+            <a:schemeClr val="phClr"/>
+          </a:solidFill>
+          <a:prstDash val="solid"/>
+          <a:miter lim="800000"/>
+        </a:ln>
+        <a:ln w="12700" cap="flat" cmpd="sng" algn="ctr">
+          <a:solidFill>
+            <a:schemeClr val="phClr"/>
+          </a:solidFill>
+          <a:prstDash val="solid"/>
+          <a:miter lim="800000"/>
+        </a:ln>
+        <a:ln w="19050" cap="flat" cmpd="sng" algn="ctr">
+          <a:solidFill>
+            <a:schemeClr val="phClr"/>
+          </a:solidFill>
+          <a:prstDash val="solid"/>
+          <a:miter lim="800000"/>
+        </a:ln>
+      </a:lnStyleLst>
+      <a:effectStyleLst>
+        <a:effectStyle>
+          <a:effectLst/>
+        </a:effectStyle>
+        <a:effectStyle>
+          <a:effectLst/>
+        </a:effectStyle>
+        <a:effectStyle>
+          <a:effectLst>
+            <a:outerShdw blurRad="57150" dist="19050" dir="5400000" algn="ctr" rotWithShape="0">
+              <a:srgbClr val="000000">
+                <a:alpha val="63000"/>
+              </a:srgbClr>
+            </a:outerShdw>
+          </a:effectLst>
+        </a:effectStyle>
+      </a:effectStyleLst>
+      <a:bgFillStyleLst>
+        <a:solidFill>
+          <a:schemeClr val="phClr"/>
+        </a:solidFill>
+        <a:solidFill>
+          <a:schemeClr val="phClr">
+            <a:tint val="95000"/>
+            <a:satMod val="170000"/>
+          </a:schemeClr>
+        </a:solidFill>
+        <a:gradFill rotWithShape="1">
+          <a:gsLst>
+            <a:gs pos="0">
+              <a:schemeClr val="phClr">
+                <a:tint val="93000"/>
+                <a:satMod val="150000"/>
+                <a:shade val="98000"/>
+                <a:lumMod val="102000"/>
+              </a:schemeClr>
+            </a:gs>
+            <a:gs pos="50000">
+              <a:schemeClr val="phClr">
+                <a:tint val="98000"/>
+                <a:satMod val="130000"/>
+                <a:shade val="90000"/>
+                <a:lumMod val="103000"/>
+              </a:schemeClr>
+            </a:gs>
+            <a:gs pos="100000">
+              <a:schemeClr val="phClr">
+                <a:shade val="63000"/>
+                <a:satMod val="120000"/>
+              </a:schemeClr>
+            </a:gs>
+          </a:gsLst>
+          <a:lin ang="5400000" scaled="0"/>
+        </a:gradFill>
+      </a:bgFillStyleLst>
+    </a:fmtScheme>
+  </a:themeElements>
+  <a:objectDefaults/>
+  <a:extraClrSchemeLst/>
+  <a:extLst>
+    <a:ext uri="{05A4C25C-085E-4340-85A3-A5531E510DB2}">
+      <thm15:themeFamily xmlns:thm15="http://schemas.microsoft.com/office/thememl/2012/main" name="Office Theme" id="{62F939B6-93AF-4DB8-9C6B-D6C7DFDC589F}" vid="{4A3C46E8-61CC-4603-A589-7422A47A8E4A}"/>
+    </a:ext>
+  </a:extLst>
+</a:theme>
 </file>